--- a/Presentazione.pptx
+++ b/Presentazione.pptx
@@ -139,7 +139,7 @@
 <file path=ppt/revisionInfo.xml><?xml version="1.0" encoding="utf-8"?>
 <p1510:revInfo xmlns:a="http://schemas.openxmlformats.org/drawingml/2006/main" xmlns:r="http://schemas.openxmlformats.org/officeDocument/2006/relationships" xmlns:p1510="http://schemas.microsoft.com/office/powerpoint/2015/10/main">
   <p1510:revLst>
-    <p1510:client id="{EFE42744-1AC9-4DA8-BDA8-8DC671FA1384}" v="2" dt="2019-12-11T18:18:53.147"/>
+    <p1510:client id="{EFE42744-1AC9-4DA8-BDA8-8DC671FA1384}" v="11" dt="2019-12-11T22:24:06.405"/>
   </p1510:revLst>
 </p1510:revInfo>
 </file>
@@ -317,8 +317,8 @@
   </pc:docChgLst>
   <pc:docChgLst>
     <pc:chgData name="Andrei Daniel Ivan" userId="d3c4cde5a19fb9a3" providerId="LiveId" clId="{EFE42744-1AC9-4DA8-BDA8-8DC671FA1384}"/>
-    <pc:docChg chg="custSel addSld delSld modSld sldOrd">
-      <pc:chgData name="Andrei Daniel Ivan" userId="d3c4cde5a19fb9a3" providerId="LiveId" clId="{EFE42744-1AC9-4DA8-BDA8-8DC671FA1384}" dt="2019-12-11T18:19:08.162" v="80" actId="2696"/>
+    <pc:docChg chg="undo custSel addSld delSld modSld sldOrd">
+      <pc:chgData name="Andrei Daniel Ivan" userId="d3c4cde5a19fb9a3" providerId="LiveId" clId="{EFE42744-1AC9-4DA8-BDA8-8DC671FA1384}" dt="2019-12-11T22:26:31.974" v="810" actId="20577"/>
       <pc:docMkLst>
         <pc:docMk/>
       </pc:docMkLst>
@@ -337,14 +337,14 @@
           </ac:spMkLst>
         </pc:spChg>
       </pc:sldChg>
-      <pc:sldChg chg="modSp">
-        <pc:chgData name="Andrei Daniel Ivan" userId="d3c4cde5a19fb9a3" providerId="LiveId" clId="{EFE42744-1AC9-4DA8-BDA8-8DC671FA1384}" dt="2019-12-11T18:18:40.090" v="66" actId="20577"/>
+      <pc:sldChg chg="addSp delSp modSp">
+        <pc:chgData name="Andrei Daniel Ivan" userId="d3c4cde5a19fb9a3" providerId="LiveId" clId="{EFE42744-1AC9-4DA8-BDA8-8DC671FA1384}" dt="2019-12-11T22:26:31.974" v="810" actId="20577"/>
         <pc:sldMkLst>
           <pc:docMk/>
           <pc:sldMk cId="148092493" sldId="264"/>
         </pc:sldMkLst>
-        <pc:spChg chg="mod">
-          <ac:chgData name="Andrei Daniel Ivan" userId="d3c4cde5a19fb9a3" providerId="LiveId" clId="{EFE42744-1AC9-4DA8-BDA8-8DC671FA1384}" dt="2019-12-11T18:18:40.090" v="66" actId="20577"/>
+        <pc:spChg chg="add del mod">
+          <ac:chgData name="Andrei Daniel Ivan" userId="d3c4cde5a19fb9a3" providerId="LiveId" clId="{EFE42744-1AC9-4DA8-BDA8-8DC671FA1384}" dt="2019-12-11T22:26:31.974" v="810" actId="20577"/>
           <ac:spMkLst>
             <pc:docMk/>
             <pc:sldMk cId="148092493" sldId="264"/>
@@ -5498,7 +5498,7 @@
         <p:spPr>
           <a:xfrm>
             <a:off x="882212" y="1003301"/>
-            <a:ext cx="10427575" cy="461088"/>
+            <a:ext cx="10427575" cy="3092578"/>
           </a:xfrm>
           <a:prstGeom prst="rect">
             <a:avLst/>
@@ -5520,7 +5520,7 @@
               </a:spcAft>
             </a:pPr>
             <a:r>
-              <a:rPr lang="it-IT" dirty="0">
+              <a:rPr lang="it-IT" sz="1600" dirty="0">
                 <a:solidFill>
                   <a:schemeClr val="bg1"/>
                 </a:solidFill>
@@ -5528,10 +5528,21 @@
                 <a:ea typeface="Calibri" panose="020F0502020204030204" pitchFamily="34" charset="0"/>
                 <a:cs typeface="Times New Roman" panose="02020603050405020304" pitchFamily="18" charset="0"/>
               </a:rPr>
-              <a:t>To be </a:t>
-            </a:r>
-            <a:r>
-              <a:rPr lang="it-IT" dirty="0" err="1">
+              <a:t>Per il </a:t>
+            </a:r>
+            <a:r>
+              <a:rPr lang="it-IT" sz="1600" dirty="0">
+                <a:solidFill>
+                  <a:srgbClr val="00B0F0"/>
+                </a:solidFill>
+                <a:latin typeface="Avenir Next LT Pro Light" panose="020B0304020202020204" pitchFamily="34" charset="0"/>
+                <a:ea typeface="Calibri" panose="020F0502020204030204" pitchFamily="34" charset="0"/>
+                <a:cs typeface="Times New Roman" panose="02020603050405020304" pitchFamily="18" charset="0"/>
+              </a:rPr>
+              <a:t>Server</a:t>
+            </a:r>
+            <a:r>
+              <a:rPr lang="it-IT" sz="1600" dirty="0">
                 <a:solidFill>
                   <a:schemeClr val="bg1"/>
                 </a:solidFill>
@@ -5539,10 +5550,143 @@
                 <a:ea typeface="Calibri" panose="020F0502020204030204" pitchFamily="34" charset="0"/>
                 <a:cs typeface="Times New Roman" panose="02020603050405020304" pitchFamily="18" charset="0"/>
               </a:rPr>
-              <a:t>defined</a:t>
-            </a:r>
-            <a:r>
-              <a:rPr lang="it-IT" dirty="0">
+              <a:t> si genera una tabella, come da specifica, con valori parzialmente casuali.</a:t>
+            </a:r>
+          </a:p>
+          <a:p>
+            <a:pPr algn="just">
+              <a:lnSpc>
+                <a:spcPct val="150000"/>
+              </a:lnSpc>
+            </a:pPr>
+            <a:r>
+              <a:rPr lang="it-IT" sz="1600" dirty="0">
+                <a:solidFill>
+                  <a:schemeClr val="accent6"/>
+                </a:solidFill>
+                <a:latin typeface="Consolas" panose="020B0609020204030204" pitchFamily="49" charset="0"/>
+              </a:rPr>
+              <a:t>Output</a:t>
+            </a:r>
+            <a:r>
+              <a:rPr lang="it-IT" sz="1600" dirty="0">
+                <a:solidFill>
+                  <a:srgbClr val="D4D4D4"/>
+                </a:solidFill>
+                <a:latin typeface="Consolas" panose="020B0609020204030204" pitchFamily="49" charset="0"/>
+              </a:rPr>
+              <a:t> *</a:t>
+            </a:r>
+            <a:r>
+              <a:rPr lang="it-IT" sz="1600" dirty="0">
+                <a:solidFill>
+                  <a:srgbClr val="DCDCAA"/>
+                </a:solidFill>
+                <a:latin typeface="Consolas" panose="020B0609020204030204" pitchFamily="49" charset="0"/>
+              </a:rPr>
+              <a:t>classifica_giudici_1_svc</a:t>
+            </a:r>
+            <a:r>
+              <a:rPr lang="it-IT" sz="1600" dirty="0">
+                <a:solidFill>
+                  <a:srgbClr val="D4D4D4"/>
+                </a:solidFill>
+                <a:latin typeface="Consolas" panose="020B0609020204030204" pitchFamily="49" charset="0"/>
+              </a:rPr>
+              <a:t>(</a:t>
+            </a:r>
+            <a:r>
+              <a:rPr lang="it-IT" sz="1600" dirty="0" err="1">
+                <a:solidFill>
+                  <a:srgbClr val="569CD6"/>
+                </a:solidFill>
+                <a:latin typeface="Consolas" panose="020B0609020204030204" pitchFamily="49" charset="0"/>
+              </a:rPr>
+              <a:t>void</a:t>
+            </a:r>
+            <a:r>
+              <a:rPr lang="it-IT" sz="1600" dirty="0">
+                <a:solidFill>
+                  <a:srgbClr val="D4D4D4"/>
+                </a:solidFill>
+                <a:latin typeface="Consolas" panose="020B0609020204030204" pitchFamily="49" charset="0"/>
+              </a:rPr>
+              <a:t> *</a:t>
+            </a:r>
+            <a:r>
+              <a:rPr lang="it-IT" sz="1600" dirty="0">
+                <a:solidFill>
+                  <a:srgbClr val="9CDCFE"/>
+                </a:solidFill>
+                <a:latin typeface="Consolas" panose="020B0609020204030204" pitchFamily="49" charset="0"/>
+              </a:rPr>
+              <a:t>in</a:t>
+            </a:r>
+            <a:r>
+              <a:rPr lang="it-IT" sz="1600" dirty="0">
+                <a:solidFill>
+                  <a:srgbClr val="D4D4D4"/>
+                </a:solidFill>
+                <a:latin typeface="Consolas" panose="020B0609020204030204" pitchFamily="49" charset="0"/>
+              </a:rPr>
+              <a:t>, </a:t>
+            </a:r>
+            <a:r>
+              <a:rPr lang="it-IT" sz="1600" dirty="0" err="1">
+                <a:solidFill>
+                  <a:srgbClr val="569CD6"/>
+                </a:solidFill>
+                <a:latin typeface="Consolas" panose="020B0609020204030204" pitchFamily="49" charset="0"/>
+              </a:rPr>
+              <a:t>struct</a:t>
+            </a:r>
+            <a:r>
+              <a:rPr lang="it-IT" sz="1600" dirty="0">
+                <a:solidFill>
+                  <a:srgbClr val="D4D4D4"/>
+                </a:solidFill>
+                <a:latin typeface="Consolas" panose="020B0609020204030204" pitchFamily="49" charset="0"/>
+              </a:rPr>
+              <a:t> </a:t>
+            </a:r>
+            <a:r>
+              <a:rPr lang="it-IT" sz="1600" dirty="0" err="1">
+                <a:solidFill>
+                  <a:schemeClr val="accent6"/>
+                </a:solidFill>
+                <a:latin typeface="Consolas" panose="020B0609020204030204" pitchFamily="49" charset="0"/>
+              </a:rPr>
+              <a:t>svc_req</a:t>
+            </a:r>
+            <a:r>
+              <a:rPr lang="it-IT" sz="1600" dirty="0">
+                <a:solidFill>
+                  <a:srgbClr val="D4D4D4"/>
+                </a:solidFill>
+                <a:latin typeface="Consolas" panose="020B0609020204030204" pitchFamily="49" charset="0"/>
+              </a:rPr>
+              <a:t> *</a:t>
+            </a:r>
+            <a:r>
+              <a:rPr lang="it-IT" sz="1600" dirty="0" err="1">
+                <a:solidFill>
+                  <a:srgbClr val="9CDCFE"/>
+                </a:solidFill>
+                <a:latin typeface="Consolas" panose="020B0609020204030204" pitchFamily="49" charset="0"/>
+              </a:rPr>
+              <a:t>rqstp</a:t>
+            </a:r>
+            <a:r>
+              <a:rPr lang="it-IT" sz="1600" dirty="0">
+                <a:solidFill>
+                  <a:srgbClr val="D4D4D4"/>
+                </a:solidFill>
+                <a:latin typeface="Consolas" panose="020B0609020204030204" pitchFamily="49" charset="0"/>
+              </a:rPr>
+              <a:t>)</a:t>
+            </a:r>
+            <a:r>
+              <a:rPr lang="it-IT" sz="1600" dirty="0">
                 <a:solidFill>
                   <a:schemeClr val="bg1"/>
                 </a:solidFill>
@@ -5550,8 +5694,219 @@
                 <a:ea typeface="Calibri" panose="020F0502020204030204" pitchFamily="34" charset="0"/>
                 <a:cs typeface="Times New Roman" panose="02020603050405020304" pitchFamily="18" charset="0"/>
               </a:rPr>
-              <a:t>.</a:t>
-            </a:r>
+              <a:t>: per ogni giudice viene calcolato il punteggio in base ai partecipanti e successivamente viene ordinato il risultato, restituendo al Client l’array ordinato di Giudici.</a:t>
+            </a:r>
+          </a:p>
+          <a:p>
+            <a:pPr algn="just">
+              <a:lnSpc>
+                <a:spcPct val="150000"/>
+              </a:lnSpc>
+            </a:pPr>
+            <a:r>
+              <a:rPr lang="it-IT" sz="1600" dirty="0" err="1">
+                <a:solidFill>
+                  <a:srgbClr val="569CD6"/>
+                </a:solidFill>
+                <a:latin typeface="Consolas" panose="020B0609020204030204" pitchFamily="49" charset="0"/>
+              </a:rPr>
+              <a:t>int</a:t>
+            </a:r>
+            <a:r>
+              <a:rPr lang="it-IT" sz="1600" dirty="0">
+                <a:solidFill>
+                  <a:srgbClr val="D4D4D4"/>
+                </a:solidFill>
+                <a:latin typeface="Consolas" panose="020B0609020204030204" pitchFamily="49" charset="0"/>
+              </a:rPr>
+              <a:t> *</a:t>
+            </a:r>
+            <a:r>
+              <a:rPr lang="it-IT" sz="1600" dirty="0">
+                <a:solidFill>
+                  <a:srgbClr val="DCDCAA"/>
+                </a:solidFill>
+                <a:latin typeface="Consolas" panose="020B0609020204030204" pitchFamily="49" charset="0"/>
+              </a:rPr>
+              <a:t>esprimi_voto_1_svc</a:t>
+            </a:r>
+            <a:r>
+              <a:rPr lang="it-IT" sz="1600" dirty="0">
+                <a:solidFill>
+                  <a:srgbClr val="D4D4D4"/>
+                </a:solidFill>
+                <a:latin typeface="Consolas" panose="020B0609020204030204" pitchFamily="49" charset="0"/>
+              </a:rPr>
+              <a:t>(</a:t>
+            </a:r>
+            <a:r>
+              <a:rPr lang="it-IT" sz="1600" dirty="0">
+                <a:solidFill>
+                  <a:schemeClr val="accent6"/>
+                </a:solidFill>
+                <a:latin typeface="Consolas" panose="020B0609020204030204" pitchFamily="49" charset="0"/>
+              </a:rPr>
+              <a:t>Input</a:t>
+            </a:r>
+            <a:r>
+              <a:rPr lang="it-IT" sz="1600" dirty="0">
+                <a:solidFill>
+                  <a:srgbClr val="D4D4D4"/>
+                </a:solidFill>
+                <a:latin typeface="Consolas" panose="020B0609020204030204" pitchFamily="49" charset="0"/>
+              </a:rPr>
+              <a:t> *</a:t>
+            </a:r>
+            <a:r>
+              <a:rPr lang="it-IT" sz="1600" dirty="0">
+                <a:solidFill>
+                  <a:srgbClr val="9CDCFE"/>
+                </a:solidFill>
+                <a:latin typeface="Consolas" panose="020B0609020204030204" pitchFamily="49" charset="0"/>
+              </a:rPr>
+              <a:t>input</a:t>
+            </a:r>
+            <a:r>
+              <a:rPr lang="it-IT" sz="1600" dirty="0">
+                <a:solidFill>
+                  <a:srgbClr val="D4D4D4"/>
+                </a:solidFill>
+                <a:latin typeface="Consolas" panose="020B0609020204030204" pitchFamily="49" charset="0"/>
+              </a:rPr>
+              <a:t>, </a:t>
+            </a:r>
+            <a:r>
+              <a:rPr lang="it-IT" sz="1600" dirty="0" err="1">
+                <a:solidFill>
+                  <a:srgbClr val="569CD6"/>
+                </a:solidFill>
+                <a:latin typeface="Consolas" panose="020B0609020204030204" pitchFamily="49" charset="0"/>
+              </a:rPr>
+              <a:t>struct</a:t>
+            </a:r>
+            <a:r>
+              <a:rPr lang="it-IT" sz="1600" dirty="0">
+                <a:solidFill>
+                  <a:srgbClr val="D4D4D4"/>
+                </a:solidFill>
+                <a:latin typeface="Consolas" panose="020B0609020204030204" pitchFamily="49" charset="0"/>
+              </a:rPr>
+              <a:t> </a:t>
+            </a:r>
+            <a:r>
+              <a:rPr lang="it-IT" sz="1600" dirty="0" err="1">
+                <a:solidFill>
+                  <a:schemeClr val="accent6"/>
+                </a:solidFill>
+                <a:latin typeface="Consolas" panose="020B0609020204030204" pitchFamily="49" charset="0"/>
+              </a:rPr>
+              <a:t>svc_req</a:t>
+            </a:r>
+            <a:r>
+              <a:rPr lang="it-IT" sz="1600" dirty="0">
+                <a:solidFill>
+                  <a:schemeClr val="accent6"/>
+                </a:solidFill>
+                <a:latin typeface="Consolas" panose="020B0609020204030204" pitchFamily="49" charset="0"/>
+              </a:rPr>
+              <a:t> </a:t>
+            </a:r>
+            <a:r>
+              <a:rPr lang="it-IT" sz="1600" dirty="0">
+                <a:solidFill>
+                  <a:srgbClr val="D4D4D4"/>
+                </a:solidFill>
+                <a:latin typeface="Consolas" panose="020B0609020204030204" pitchFamily="49" charset="0"/>
+              </a:rPr>
+              <a:t>*</a:t>
+            </a:r>
+            <a:r>
+              <a:rPr lang="it-IT" sz="1600" dirty="0" err="1">
+                <a:solidFill>
+                  <a:srgbClr val="9CDCFE"/>
+                </a:solidFill>
+                <a:latin typeface="Consolas" panose="020B0609020204030204" pitchFamily="49" charset="0"/>
+              </a:rPr>
+              <a:t>rqstp</a:t>
+            </a:r>
+            <a:r>
+              <a:rPr lang="it-IT" sz="1600" dirty="0">
+                <a:solidFill>
+                  <a:srgbClr val="D4D4D4"/>
+                </a:solidFill>
+                <a:latin typeface="Consolas" panose="020B0609020204030204" pitchFamily="49" charset="0"/>
+              </a:rPr>
+              <a:t>)</a:t>
+            </a:r>
+            <a:r>
+              <a:rPr lang="it-IT" sz="1600" dirty="0">
+                <a:solidFill>
+                  <a:schemeClr val="bg1"/>
+                </a:solidFill>
+                <a:latin typeface="Avenir Next LT Pro Light" panose="020B0304020202020204" pitchFamily="34" charset="0"/>
+                <a:ea typeface="Calibri" panose="020F0502020204030204" pitchFamily="34" charset="0"/>
+                <a:cs typeface="Times New Roman" panose="02020603050405020304" pitchFamily="18" charset="0"/>
+              </a:rPr>
+              <a:t>: si verifica l’esistenza del partecipante passato dal Client e si </a:t>
+            </a:r>
+            <a:r>
+              <a:rPr lang="it-IT" sz="1600">
+                <a:solidFill>
+                  <a:schemeClr val="bg1"/>
+                </a:solidFill>
+                <a:latin typeface="Avenir Next LT Pro Light" panose="020B0304020202020204" pitchFamily="34" charset="0"/>
+                <a:ea typeface="Calibri" panose="020F0502020204030204" pitchFamily="34" charset="0"/>
+                <a:cs typeface="Times New Roman" panose="02020603050405020304" pitchFamily="18" charset="0"/>
+              </a:rPr>
+              <a:t>aggiunge o sottrae </a:t>
+            </a:r>
+            <a:r>
+              <a:rPr lang="it-IT" sz="1600" dirty="0">
+                <a:solidFill>
+                  <a:schemeClr val="bg1"/>
+                </a:solidFill>
+                <a:latin typeface="Avenir Next LT Pro Light" panose="020B0304020202020204" pitchFamily="34" charset="0"/>
+                <a:ea typeface="Calibri" panose="020F0502020204030204" pitchFamily="34" charset="0"/>
+                <a:cs typeface="Times New Roman" panose="02020603050405020304" pitchFamily="18" charset="0"/>
+              </a:rPr>
+              <a:t>un voto, restituendo al Client un valore diverso da -1.</a:t>
+            </a:r>
+          </a:p>
+          <a:p>
+            <a:pPr algn="just">
+              <a:lnSpc>
+                <a:spcPct val="150000"/>
+              </a:lnSpc>
+              <a:spcAft>
+                <a:spcPts val="0"/>
+              </a:spcAft>
+            </a:pPr>
+            <a:endParaRPr lang="it-IT" dirty="0">
+              <a:solidFill>
+                <a:schemeClr val="bg1"/>
+              </a:solidFill>
+              <a:latin typeface="Avenir Next LT Pro Light" panose="020B0304020202020204" pitchFamily="34" charset="0"/>
+              <a:ea typeface="Calibri" panose="020F0502020204030204" pitchFamily="34" charset="0"/>
+              <a:cs typeface="Times New Roman" panose="02020603050405020304" pitchFamily="18" charset="0"/>
+            </a:endParaRPr>
+          </a:p>
+          <a:p>
+            <a:pPr algn="just">
+              <a:lnSpc>
+                <a:spcPct val="150000"/>
+              </a:lnSpc>
+              <a:spcAft>
+                <a:spcPts val="0"/>
+              </a:spcAft>
+            </a:pPr>
+            <a:endParaRPr lang="it-IT" dirty="0">
+              <a:solidFill>
+                <a:schemeClr val="bg1"/>
+              </a:solidFill>
+              <a:latin typeface="Avenir Next LT Pro Light" panose="020B0304020202020204" pitchFamily="34" charset="0"/>
+              <a:ea typeface="Calibri" panose="020F0502020204030204" pitchFamily="34" charset="0"/>
+              <a:cs typeface="Times New Roman" panose="02020603050405020304" pitchFamily="18" charset="0"/>
+            </a:endParaRPr>
           </a:p>
         </p:txBody>
       </p:sp>

--- a/Presentazione.pptx
+++ b/Presentazione.pptx
@@ -179,7 +179,7 @@
   <pc:docChgLst>
     <pc:chgData name="Andrei Daniel Ivan" userId="d3c4cde5a19fb9a3" providerId="LiveId" clId="{78516987-CF36-42BA-AF02-7B184A187DB4}"/>
     <pc:docChg chg="undo custSel addSld modSld sldOrd">
-      <pc:chgData name="Andrei Daniel Ivan" userId="d3c4cde5a19fb9a3" providerId="LiveId" clId="{78516987-CF36-42BA-AF02-7B184A187DB4}" dt="2019-12-12T09:40:52.165" v="1667" actId="1076"/>
+      <pc:chgData name="Andrei Daniel Ivan" userId="d3c4cde5a19fb9a3" providerId="LiveId" clId="{78516987-CF36-42BA-AF02-7B184A187DB4}" dt="2019-12-12T11:05:32.755" v="1838" actId="1076"/>
       <pc:docMkLst>
         <pc:docMk/>
       </pc:docMkLst>
@@ -307,8 +307,8 @@
           </ac:spMkLst>
         </pc:spChg>
       </pc:sldChg>
-      <pc:sldChg chg="addSp modSp add ord">
-        <pc:chgData name="Andrei Daniel Ivan" userId="d3c4cde5a19fb9a3" providerId="LiveId" clId="{78516987-CF36-42BA-AF02-7B184A187DB4}" dt="2019-12-12T08:54:45.504" v="1074" actId="1076"/>
+      <pc:sldChg chg="addSp delSp modSp add ord">
+        <pc:chgData name="Andrei Daniel Ivan" userId="d3c4cde5a19fb9a3" providerId="LiveId" clId="{78516987-CF36-42BA-AF02-7B184A187DB4}" dt="2019-12-12T11:05:32.755" v="1838" actId="1076"/>
         <pc:sldMkLst>
           <pc:docMk/>
           <pc:sldMk cId="612174048" sldId="282"/>
@@ -329,8 +329,8 @@
             <ac:spMk id="5" creationId="{575E9FB5-702A-42D6-A2EB-DC69E86329E8}"/>
           </ac:spMkLst>
         </pc:spChg>
-        <pc:spChg chg="add mod">
-          <ac:chgData name="Andrei Daniel Ivan" userId="d3c4cde5a19fb9a3" providerId="LiveId" clId="{78516987-CF36-42BA-AF02-7B184A187DB4}" dt="2019-12-12T08:54:45.504" v="1074" actId="1076"/>
+        <pc:spChg chg="add del mod">
+          <ac:chgData name="Andrei Daniel Ivan" userId="d3c4cde5a19fb9a3" providerId="LiveId" clId="{78516987-CF36-42BA-AF02-7B184A187DB4}" dt="2019-12-12T11:05:32.755" v="1838" actId="1076"/>
           <ac:spMkLst>
             <pc:docMk/>
             <pc:sldMk cId="612174048" sldId="282"/>
@@ -11103,8 +11103,8 @@
         </p:nvSpPr>
         <p:spPr>
           <a:xfrm>
-            <a:off x="8240254" y="3429000"/>
-            <a:ext cx="2273416" cy="1551963"/>
+            <a:off x="7233573" y="4472512"/>
+            <a:ext cx="3541385" cy="1428226"/>
           </a:xfrm>
           <a:prstGeom prst="roundRect">
             <a:avLst/>
@@ -11146,7 +11146,7 @@
                 </a:solidFill>
                 <a:latin typeface="Avenir Next LT Pro Light" panose="020B0304020202020204" pitchFamily="34" charset="0"/>
               </a:rPr>
-              <a:t>Inserire testo</a:t>
+              <a:t>Si assegna ad ogni giudice i voti corrispettivi di ogni partecipante e si cerca il giudice con il punteggio più alto, ponendolo primo nella lista di output. 	</a:t>
             </a:r>
           </a:p>
         </p:txBody>

--- a/Presentazione.pptx
+++ b/Presentazione.pptx
@@ -5,7 +5,7 @@
     <p:sldMasterId id="2147483714" r:id="rId1"/>
   </p:sldMasterIdLst>
   <p:notesMasterIdLst>
-    <p:notesMasterId r:id="rId10"/>
+    <p:notesMasterId r:id="rId9"/>
   </p:notesMasterIdLst>
   <p:sldIdLst>
     <p:sldId id="256" r:id="rId2"/>
@@ -14,8 +14,7 @@
     <p:sldId id="282" r:id="rId5"/>
     <p:sldId id="283" r:id="rId6"/>
     <p:sldId id="280" r:id="rId7"/>
-    <p:sldId id="279" r:id="rId8"/>
-    <p:sldId id="284" r:id="rId9"/>
+    <p:sldId id="284" r:id="rId8"/>
   </p:sldIdLst>
   <p:sldSz cx="12192000" cy="6858000"/>
   <p:notesSz cx="6858000" cy="9144000"/>
@@ -144,7 +143,7 @@
 <file path=ppt/revisionInfo.xml><?xml version="1.0" encoding="utf-8"?>
 <p1510:revInfo xmlns:a="http://schemas.openxmlformats.org/drawingml/2006/main" xmlns:r="http://schemas.openxmlformats.org/officeDocument/2006/relationships" xmlns:p1510="http://schemas.microsoft.com/office/powerpoint/2015/10/main">
   <p1510:revLst>
-    <p1510:client id="{78516987-CF36-42BA-AF02-7B184A187DB4}" v="81" dt="2019-12-12T09:40:43.323"/>
+    <p1510:client id="{78516987-CF36-42BA-AF02-7B184A187DB4}" v="83" dt="2019-12-12T13:24:03.042"/>
     <p1510:client id="{EFE42744-1AC9-4DA8-BDA8-8DC671FA1384}" v="11" dt="2019-12-11T22:24:06.405"/>
   </p1510:revLst>
 </p1510:revInfo>
@@ -178,8 +177,8 @@
   </pc:docChgLst>
   <pc:docChgLst>
     <pc:chgData name="Andrei Daniel Ivan" userId="d3c4cde5a19fb9a3" providerId="LiveId" clId="{78516987-CF36-42BA-AF02-7B184A187DB4}"/>
-    <pc:docChg chg="undo custSel addSld modSld sldOrd">
-      <pc:chgData name="Andrei Daniel Ivan" userId="d3c4cde5a19fb9a3" providerId="LiveId" clId="{78516987-CF36-42BA-AF02-7B184A187DB4}" dt="2019-12-12T11:05:32.755" v="1838" actId="1076"/>
+    <pc:docChg chg="undo custSel addSld delSld modSld sldOrd">
+      <pc:chgData name="Andrei Daniel Ivan" userId="d3c4cde5a19fb9a3" providerId="LiveId" clId="{78516987-CF36-42BA-AF02-7B184A187DB4}" dt="2019-12-12T14:03:29.161" v="4179" actId="20577"/>
       <pc:docMkLst>
         <pc:docMk/>
       </pc:docMkLst>
@@ -198,8 +197,8 @@
           </ac:spMkLst>
         </pc:spChg>
       </pc:sldChg>
-      <pc:sldChg chg="addSp delSp modSp mod">
-        <pc:chgData name="Andrei Daniel Ivan" userId="d3c4cde5a19fb9a3" providerId="LiveId" clId="{78516987-CF36-42BA-AF02-7B184A187DB4}" dt="2019-12-12T09:40:52.165" v="1667" actId="1076"/>
+      <pc:sldChg chg="addSp delSp modSp del mod">
+        <pc:chgData name="Andrei Daniel Ivan" userId="d3c4cde5a19fb9a3" providerId="LiveId" clId="{78516987-CF36-42BA-AF02-7B184A187DB4}" dt="2019-12-12T13:23:40.070" v="1946" actId="2696"/>
         <pc:sldMkLst>
           <pc:docMk/>
           <pc:sldMk cId="2497596871" sldId="279"/>
@@ -246,7 +245,7 @@
         </pc:graphicFrameChg>
       </pc:sldChg>
       <pc:sldChg chg="addSp modSp add">
-        <pc:chgData name="Andrei Daniel Ivan" userId="d3c4cde5a19fb9a3" providerId="LiveId" clId="{78516987-CF36-42BA-AF02-7B184A187DB4}" dt="2019-12-12T08:54:56.267" v="1076" actId="1076"/>
+        <pc:chgData name="Andrei Daniel Ivan" userId="d3c4cde5a19fb9a3" providerId="LiveId" clId="{78516987-CF36-42BA-AF02-7B184A187DB4}" dt="2019-12-12T13:22:18.382" v="1931" actId="1076"/>
         <pc:sldMkLst>
           <pc:docMk/>
           <pc:sldMk cId="2078919773" sldId="280"/>
@@ -268,7 +267,7 @@
           </ac:spMkLst>
         </pc:spChg>
         <pc:spChg chg="add mod">
-          <ac:chgData name="Andrei Daniel Ivan" userId="d3c4cde5a19fb9a3" providerId="LiveId" clId="{78516987-CF36-42BA-AF02-7B184A187DB4}" dt="2019-12-12T08:54:56.267" v="1076" actId="1076"/>
+          <ac:chgData name="Andrei Daniel Ivan" userId="d3c4cde5a19fb9a3" providerId="LiveId" clId="{78516987-CF36-42BA-AF02-7B184A187DB4}" dt="2019-12-12T13:22:18.382" v="1931" actId="1076"/>
           <ac:spMkLst>
             <pc:docMk/>
             <pc:sldMk cId="2078919773" sldId="280"/>
@@ -338,8 +337,8 @@
           </ac:spMkLst>
         </pc:spChg>
       </pc:sldChg>
-      <pc:sldChg chg="addSp modSp add">
-        <pc:chgData name="Andrei Daniel Ivan" userId="d3c4cde5a19fb9a3" providerId="LiveId" clId="{78516987-CF36-42BA-AF02-7B184A187DB4}" dt="2019-12-12T08:54:50.878" v="1075" actId="1076"/>
+      <pc:sldChg chg="addSp delSp modSp add">
+        <pc:chgData name="Andrei Daniel Ivan" userId="d3c4cde5a19fb9a3" providerId="LiveId" clId="{78516987-CF36-42BA-AF02-7B184A187DB4}" dt="2019-12-12T13:29:14.850" v="2321" actId="1076"/>
         <pc:sldMkLst>
           <pc:docMk/>
           <pc:sldMk cId="1455645191" sldId="283"/>
@@ -360,17 +359,25 @@
             <ac:spMk id="5" creationId="{575E9FB5-702A-42D6-A2EB-DC69E86329E8}"/>
           </ac:spMkLst>
         </pc:spChg>
-        <pc:spChg chg="add mod">
-          <ac:chgData name="Andrei Daniel Ivan" userId="d3c4cde5a19fb9a3" providerId="LiveId" clId="{78516987-CF36-42BA-AF02-7B184A187DB4}" dt="2019-12-12T08:54:50.878" v="1075" actId="1076"/>
+        <pc:spChg chg="add del mod">
+          <ac:chgData name="Andrei Daniel Ivan" userId="d3c4cde5a19fb9a3" providerId="LiveId" clId="{78516987-CF36-42BA-AF02-7B184A187DB4}" dt="2019-12-12T13:24:02.677" v="1947" actId="478"/>
           <ac:spMkLst>
             <pc:docMk/>
             <pc:sldMk cId="1455645191" sldId="283"/>
             <ac:spMk id="6" creationId="{7397C64E-B8A7-4BEA-9DB6-3749204D9E94}"/>
           </ac:spMkLst>
         </pc:spChg>
+        <pc:spChg chg="add mod">
+          <ac:chgData name="Andrei Daniel Ivan" userId="d3c4cde5a19fb9a3" providerId="LiveId" clId="{78516987-CF36-42BA-AF02-7B184A187DB4}" dt="2019-12-12T13:29:14.850" v="2321" actId="1076"/>
+          <ac:spMkLst>
+            <pc:docMk/>
+            <pc:sldMk cId="1455645191" sldId="283"/>
+            <ac:spMk id="7" creationId="{05FE45E5-D90C-4D37-B038-A3BBB0B35626}"/>
+          </ac:spMkLst>
+        </pc:spChg>
       </pc:sldChg>
       <pc:sldChg chg="modSp add ord">
-        <pc:chgData name="Andrei Daniel Ivan" userId="d3c4cde5a19fb9a3" providerId="LiveId" clId="{78516987-CF36-42BA-AF02-7B184A187DB4}" dt="2019-12-12T09:40:04.521" v="1659" actId="20577"/>
+        <pc:chgData name="Andrei Daniel Ivan" userId="d3c4cde5a19fb9a3" providerId="LiveId" clId="{78516987-CF36-42BA-AF02-7B184A187DB4}" dt="2019-12-12T14:03:29.161" v="4179" actId="20577"/>
         <pc:sldMkLst>
           <pc:docMk/>
           <pc:sldMk cId="1760588761" sldId="284"/>
@@ -384,7 +391,7 @@
           </ac:spMkLst>
         </pc:spChg>
         <pc:spChg chg="mod">
-          <ac:chgData name="Andrei Daniel Ivan" userId="d3c4cde5a19fb9a3" providerId="LiveId" clId="{78516987-CF36-42BA-AF02-7B184A187DB4}" dt="2019-12-12T09:39:59.632" v="1648" actId="20577"/>
+          <ac:chgData name="Andrei Daniel Ivan" userId="d3c4cde5a19fb9a3" providerId="LiveId" clId="{78516987-CF36-42BA-AF02-7B184A187DB4}" dt="2019-12-12T14:03:29.161" v="4179" actId="20577"/>
           <ac:spMkLst>
             <pc:docMk/>
             <pc:sldMk cId="1760588761" sldId="284"/>
@@ -2004,1212 +2011,6 @@
     </pc:docChg>
   </pc:docChgLst>
 </pc:chgInfo>
-</file>
-
-<file path=ppt/charts/chart1.xml><?xml version="1.0" encoding="utf-8"?>
-<c:chartSpace xmlns:c="http://schemas.openxmlformats.org/drawingml/2006/chart" xmlns:a="http://schemas.openxmlformats.org/drawingml/2006/main" xmlns:r="http://schemas.openxmlformats.org/officeDocument/2006/relationships" xmlns:c16r2="http://schemas.microsoft.com/office/drawing/2015/06/chart">
-  <c:date1904 val="0"/>
-  <c:lang val="it-IT"/>
-  <c:roundedCorners val="0"/>
-  <mc:AlternateContent xmlns:mc="http://schemas.openxmlformats.org/markup-compatibility/2006">
-    <mc:Choice xmlns:c14="http://schemas.microsoft.com/office/drawing/2007/8/2/chart" Requires="c14">
-      <c14:style val="102"/>
-    </mc:Choice>
-    <mc:Fallback>
-      <c:style val="2"/>
-    </mc:Fallback>
-  </mc:AlternateContent>
-  <c:chart>
-    <c:autoTitleDeleted val="1"/>
-    <c:plotArea>
-      <c:layout/>
-      <c:scatterChart>
-        <c:scatterStyle val="lineMarker"/>
-        <c:varyColors val="0"/>
-        <c:ser>
-          <c:idx val="0"/>
-          <c:order val="0"/>
-          <c:tx>
-            <c:strRef>
-              <c:f>Foglio1!$B$1</c:f>
-              <c:strCache>
-                <c:ptCount val="1"/>
-                <c:pt idx="0">
-                  <c:v>Sort personale</c:v>
-                </c:pt>
-              </c:strCache>
-            </c:strRef>
-          </c:tx>
-          <c:spPr>
-            <a:ln w="22225" cap="rnd">
-              <a:solidFill>
-                <a:schemeClr val="accent1"/>
-              </a:solidFill>
-            </a:ln>
-            <a:effectLst>
-              <a:glow rad="139700">
-                <a:schemeClr val="accent1">
-                  <a:satMod val="175000"/>
-                  <a:alpha val="14000"/>
-                </a:schemeClr>
-              </a:glow>
-            </a:effectLst>
-          </c:spPr>
-          <c:marker>
-            <c:symbol val="circle"/>
-            <c:size val="3"/>
-            <c:spPr>
-              <a:solidFill>
-                <a:schemeClr val="accent1">
-                  <a:lumMod val="60000"/>
-                  <a:lumOff val="40000"/>
-                </a:schemeClr>
-              </a:solidFill>
-              <a:ln>
-                <a:noFill/>
-              </a:ln>
-              <a:effectLst>
-                <a:glow rad="63500">
-                  <a:schemeClr val="accent1">
-                    <a:satMod val="175000"/>
-                    <a:alpha val="25000"/>
-                  </a:schemeClr>
-                </a:glow>
-              </a:effectLst>
-            </c:spPr>
-          </c:marker>
-          <c:xVal>
-            <c:numRef>
-              <c:f>Foglio1!$A$2:$A$5</c:f>
-              <c:numCache>
-                <c:formatCode>General</c:formatCode>
-                <c:ptCount val="4"/>
-                <c:pt idx="0">
-                  <c:v>10</c:v>
-                </c:pt>
-                <c:pt idx="1">
-                  <c:v>100</c:v>
-                </c:pt>
-                <c:pt idx="2">
-                  <c:v>1000</c:v>
-                </c:pt>
-                <c:pt idx="3">
-                  <c:v>10000</c:v>
-                </c:pt>
-              </c:numCache>
-            </c:numRef>
-          </c:xVal>
-          <c:yVal>
-            <c:numRef>
-              <c:f>Foglio1!$B$2:$B$5</c:f>
-              <c:numCache>
-                <c:formatCode>#0\ "ms"</c:formatCode>
-                <c:ptCount val="4"/>
-                <c:pt idx="0">
-                  <c:v>5</c:v>
-                </c:pt>
-                <c:pt idx="1">
-                  <c:v>14</c:v>
-                </c:pt>
-                <c:pt idx="2">
-                  <c:v>25</c:v>
-                </c:pt>
-                <c:pt idx="3">
-                  <c:v>367</c:v>
-                </c:pt>
-              </c:numCache>
-            </c:numRef>
-          </c:yVal>
-          <c:smooth val="0"/>
-          <c:extLst>
-            <c:ext xmlns:c16="http://schemas.microsoft.com/office/drawing/2014/chart" uri="{C3380CC4-5D6E-409C-BE32-E72D297353CC}">
-              <c16:uniqueId val="{00000000-D3D9-462D-9A92-C1E97FD803D7}"/>
-            </c:ext>
-          </c:extLst>
-        </c:ser>
-        <c:ser>
-          <c:idx val="1"/>
-          <c:order val="1"/>
-          <c:tx>
-            <c:strRef>
-              <c:f>Foglio1!$C$1</c:f>
-              <c:strCache>
-                <c:ptCount val="1"/>
-                <c:pt idx="0">
-                  <c:v>Quick sort</c:v>
-                </c:pt>
-              </c:strCache>
-            </c:strRef>
-          </c:tx>
-          <c:spPr>
-            <a:ln w="22225" cap="rnd">
-              <a:solidFill>
-                <a:schemeClr val="accent2"/>
-              </a:solidFill>
-            </a:ln>
-            <a:effectLst>
-              <a:glow rad="139700">
-                <a:schemeClr val="accent2">
-                  <a:satMod val="175000"/>
-                  <a:alpha val="14000"/>
-                </a:schemeClr>
-              </a:glow>
-            </a:effectLst>
-          </c:spPr>
-          <c:marker>
-            <c:symbol val="circle"/>
-            <c:size val="3"/>
-            <c:spPr>
-              <a:solidFill>
-                <a:schemeClr val="accent2">
-                  <a:lumMod val="60000"/>
-                  <a:lumOff val="40000"/>
-                </a:schemeClr>
-              </a:solidFill>
-              <a:ln>
-                <a:noFill/>
-              </a:ln>
-              <a:effectLst>
-                <a:glow rad="63500">
-                  <a:schemeClr val="accent2">
-                    <a:satMod val="175000"/>
-                    <a:alpha val="25000"/>
-                  </a:schemeClr>
-                </a:glow>
-              </a:effectLst>
-            </c:spPr>
-          </c:marker>
-          <c:xVal>
-            <c:numRef>
-              <c:f>Foglio1!$A$2:$A$5</c:f>
-              <c:numCache>
-                <c:formatCode>General</c:formatCode>
-                <c:ptCount val="4"/>
-                <c:pt idx="0">
-                  <c:v>10</c:v>
-                </c:pt>
-                <c:pt idx="1">
-                  <c:v>100</c:v>
-                </c:pt>
-                <c:pt idx="2">
-                  <c:v>1000</c:v>
-                </c:pt>
-                <c:pt idx="3">
-                  <c:v>10000</c:v>
-                </c:pt>
-              </c:numCache>
-            </c:numRef>
-          </c:xVal>
-          <c:yVal>
-            <c:numRef>
-              <c:f>Foglio1!$C$2:$C$5</c:f>
-              <c:numCache>
-                <c:formatCode>#0\ "ms"</c:formatCode>
-                <c:ptCount val="4"/>
-                <c:pt idx="0">
-                  <c:v>5</c:v>
-                </c:pt>
-                <c:pt idx="1">
-                  <c:v>52</c:v>
-                </c:pt>
-                <c:pt idx="2">
-                  <c:v>234</c:v>
-                </c:pt>
-                <c:pt idx="3">
-                  <c:v>673</c:v>
-                </c:pt>
-              </c:numCache>
-            </c:numRef>
-          </c:yVal>
-          <c:smooth val="0"/>
-          <c:extLst>
-            <c:ext xmlns:c16="http://schemas.microsoft.com/office/drawing/2014/chart" uri="{C3380CC4-5D6E-409C-BE32-E72D297353CC}">
-              <c16:uniqueId val="{00000001-D3D9-462D-9A92-C1E97FD803D7}"/>
-            </c:ext>
-          </c:extLst>
-        </c:ser>
-        <c:ser>
-          <c:idx val="2"/>
-          <c:order val="2"/>
-          <c:tx>
-            <c:strRef>
-              <c:f>Foglio1!$D$1</c:f>
-              <c:strCache>
-                <c:ptCount val="1"/>
-                <c:pt idx="0">
-                  <c:v>Naive sort</c:v>
-                </c:pt>
-              </c:strCache>
-            </c:strRef>
-          </c:tx>
-          <c:spPr>
-            <a:ln w="22225" cap="rnd">
-              <a:solidFill>
-                <a:schemeClr val="accent3"/>
-              </a:solidFill>
-            </a:ln>
-            <a:effectLst>
-              <a:glow rad="139700">
-                <a:schemeClr val="accent3">
-                  <a:satMod val="175000"/>
-                  <a:alpha val="14000"/>
-                </a:schemeClr>
-              </a:glow>
-            </a:effectLst>
-          </c:spPr>
-          <c:marker>
-            <c:symbol val="circle"/>
-            <c:size val="3"/>
-            <c:spPr>
-              <a:solidFill>
-                <a:schemeClr val="accent3">
-                  <a:lumMod val="60000"/>
-                  <a:lumOff val="40000"/>
-                </a:schemeClr>
-              </a:solidFill>
-              <a:ln>
-                <a:noFill/>
-              </a:ln>
-              <a:effectLst>
-                <a:glow rad="63500">
-                  <a:schemeClr val="accent3">
-                    <a:satMod val="175000"/>
-                    <a:alpha val="25000"/>
-                  </a:schemeClr>
-                </a:glow>
-              </a:effectLst>
-            </c:spPr>
-          </c:marker>
-          <c:xVal>
-            <c:numRef>
-              <c:f>Foglio1!$A$2:$A$5</c:f>
-              <c:numCache>
-                <c:formatCode>General</c:formatCode>
-                <c:ptCount val="4"/>
-                <c:pt idx="0">
-                  <c:v>10</c:v>
-                </c:pt>
-                <c:pt idx="1">
-                  <c:v>100</c:v>
-                </c:pt>
-                <c:pt idx="2">
-                  <c:v>1000</c:v>
-                </c:pt>
-                <c:pt idx="3">
-                  <c:v>10000</c:v>
-                </c:pt>
-              </c:numCache>
-            </c:numRef>
-          </c:xVal>
-          <c:yVal>
-            <c:numRef>
-              <c:f>Foglio1!$D$2:$D$5</c:f>
-              <c:numCache>
-                <c:formatCode>#0\ "ms"</c:formatCode>
-                <c:ptCount val="4"/>
-                <c:pt idx="0">
-                  <c:v>23</c:v>
-                </c:pt>
-                <c:pt idx="1">
-                  <c:v>56</c:v>
-                </c:pt>
-                <c:pt idx="2">
-                  <c:v>73</c:v>
-                </c:pt>
-                <c:pt idx="3">
-                  <c:v>344</c:v>
-                </c:pt>
-              </c:numCache>
-            </c:numRef>
-          </c:yVal>
-          <c:smooth val="0"/>
-          <c:extLst>
-            <c:ext xmlns:c16="http://schemas.microsoft.com/office/drawing/2014/chart" uri="{C3380CC4-5D6E-409C-BE32-E72D297353CC}">
-              <c16:uniqueId val="{00000002-D3D9-462D-9A92-C1E97FD803D7}"/>
-            </c:ext>
-          </c:extLst>
-        </c:ser>
-        <c:dLbls>
-          <c:showLegendKey val="0"/>
-          <c:showVal val="0"/>
-          <c:showCatName val="0"/>
-          <c:showSerName val="0"/>
-          <c:showPercent val="0"/>
-          <c:showBubbleSize val="0"/>
-        </c:dLbls>
-        <c:axId val="499128888"/>
-        <c:axId val="499128568"/>
-      </c:scatterChart>
-      <c:valAx>
-        <c:axId val="499128888"/>
-        <c:scaling>
-          <c:orientation val="minMax"/>
-        </c:scaling>
-        <c:delete val="0"/>
-        <c:axPos val="b"/>
-        <c:majorGridlines>
-          <c:spPr>
-            <a:ln w="9525" cap="flat" cmpd="sng" algn="ctr">
-              <a:solidFill>
-                <a:schemeClr val="dk1">
-                  <a:lumMod val="65000"/>
-                  <a:lumOff val="35000"/>
-                  <a:alpha val="75000"/>
-                </a:schemeClr>
-              </a:solidFill>
-              <a:round/>
-            </a:ln>
-            <a:effectLst/>
-          </c:spPr>
-        </c:majorGridlines>
-        <c:title>
-          <c:tx>
-            <c:rich>
-              <a:bodyPr rot="0" spcFirstLastPara="1" vertOverflow="ellipsis" vert="horz" wrap="square" anchor="ctr" anchorCtr="1"/>
-              <a:lstStyle/>
-              <a:p>
-                <a:pPr>
-                  <a:defRPr sz="1197" b="1" i="0" u="none" strike="noStrike" kern="1200" baseline="0">
-                    <a:solidFill>
-                      <a:schemeClr val="lt1">
-                        <a:lumMod val="75000"/>
-                      </a:schemeClr>
-                    </a:solidFill>
-                    <a:latin typeface="+mn-lt"/>
-                    <a:ea typeface="+mn-ea"/>
-                    <a:cs typeface="+mn-cs"/>
-                  </a:defRPr>
-                </a:pPr>
-                <a:r>
-                  <a:rPr lang="it-IT"/>
-                  <a:t>Dimensione tabella</a:t>
-                </a:r>
-              </a:p>
-            </c:rich>
-          </c:tx>
-          <c:overlay val="0"/>
-          <c:spPr>
-            <a:noFill/>
-            <a:ln>
-              <a:noFill/>
-            </a:ln>
-            <a:effectLst/>
-          </c:spPr>
-          <c:txPr>
-            <a:bodyPr rot="0" spcFirstLastPara="1" vertOverflow="ellipsis" vert="horz" wrap="square" anchor="ctr" anchorCtr="1"/>
-            <a:lstStyle/>
-            <a:p>
-              <a:pPr>
-                <a:defRPr sz="1197" b="1" i="0" u="none" strike="noStrike" kern="1200" baseline="0">
-                  <a:solidFill>
-                    <a:schemeClr val="lt1">
-                      <a:lumMod val="75000"/>
-                    </a:schemeClr>
-                  </a:solidFill>
-                  <a:latin typeface="+mn-lt"/>
-                  <a:ea typeface="+mn-ea"/>
-                  <a:cs typeface="+mn-cs"/>
-                </a:defRPr>
-              </a:pPr>
-              <a:endParaRPr lang="it-IT"/>
-            </a:p>
-          </c:txPr>
-        </c:title>
-        <c:numFmt formatCode="General" sourceLinked="1"/>
-        <c:majorTickMark val="none"/>
-        <c:minorTickMark val="none"/>
-        <c:tickLblPos val="nextTo"/>
-        <c:spPr>
-          <a:noFill/>
-          <a:ln w="9525" cap="flat" cmpd="sng" algn="ctr">
-            <a:solidFill>
-              <a:schemeClr val="lt1">
-                <a:lumMod val="50000"/>
-              </a:schemeClr>
-            </a:solidFill>
-            <a:round/>
-          </a:ln>
-          <a:effectLst/>
-        </c:spPr>
-        <c:txPr>
-          <a:bodyPr rot="-60000000" spcFirstLastPara="1" vertOverflow="ellipsis" vert="horz" wrap="square" anchor="ctr" anchorCtr="1"/>
-          <a:lstStyle/>
-          <a:p>
-            <a:pPr>
-              <a:defRPr sz="1197" b="0" i="0" u="none" strike="noStrike" kern="1200" baseline="0">
-                <a:solidFill>
-                  <a:schemeClr val="lt1">
-                    <a:lumMod val="75000"/>
-                  </a:schemeClr>
-                </a:solidFill>
-                <a:latin typeface="+mn-lt"/>
-                <a:ea typeface="+mn-ea"/>
-                <a:cs typeface="+mn-cs"/>
-              </a:defRPr>
-            </a:pPr>
-            <a:endParaRPr lang="it-IT"/>
-          </a:p>
-        </c:txPr>
-        <c:crossAx val="499128568"/>
-        <c:crosses val="autoZero"/>
-        <c:crossBetween val="midCat"/>
-      </c:valAx>
-      <c:valAx>
-        <c:axId val="499128568"/>
-        <c:scaling>
-          <c:orientation val="minMax"/>
-        </c:scaling>
-        <c:delete val="0"/>
-        <c:axPos val="l"/>
-        <c:majorGridlines>
-          <c:spPr>
-            <a:ln w="9525" cap="flat" cmpd="sng" algn="ctr">
-              <a:solidFill>
-                <a:schemeClr val="dk1">
-                  <a:lumMod val="65000"/>
-                  <a:lumOff val="35000"/>
-                  <a:alpha val="75000"/>
-                </a:schemeClr>
-              </a:solidFill>
-              <a:round/>
-            </a:ln>
-            <a:effectLst/>
-          </c:spPr>
-        </c:majorGridlines>
-        <c:title>
-          <c:tx>
-            <c:rich>
-              <a:bodyPr rot="-5400000" spcFirstLastPara="1" vertOverflow="ellipsis" vert="horz" wrap="square" anchor="ctr" anchorCtr="1"/>
-              <a:lstStyle/>
-              <a:p>
-                <a:pPr>
-                  <a:defRPr sz="1197" b="1" i="0" u="none" strike="noStrike" kern="1200" baseline="0">
-                    <a:solidFill>
-                      <a:schemeClr val="lt1">
-                        <a:lumMod val="75000"/>
-                      </a:schemeClr>
-                    </a:solidFill>
-                    <a:latin typeface="+mn-lt"/>
-                    <a:ea typeface="+mn-ea"/>
-                    <a:cs typeface="+mn-cs"/>
-                  </a:defRPr>
-                </a:pPr>
-                <a:r>
-                  <a:rPr lang="it-IT"/>
-                  <a:t>Tempo impiegato</a:t>
-                </a:r>
-              </a:p>
-            </c:rich>
-          </c:tx>
-          <c:overlay val="0"/>
-          <c:spPr>
-            <a:noFill/>
-            <a:ln>
-              <a:noFill/>
-            </a:ln>
-            <a:effectLst/>
-          </c:spPr>
-          <c:txPr>
-            <a:bodyPr rot="-5400000" spcFirstLastPara="1" vertOverflow="ellipsis" vert="horz" wrap="square" anchor="ctr" anchorCtr="1"/>
-            <a:lstStyle/>
-            <a:p>
-              <a:pPr>
-                <a:defRPr sz="1197" b="1" i="0" u="none" strike="noStrike" kern="1200" baseline="0">
-                  <a:solidFill>
-                    <a:schemeClr val="lt1">
-                      <a:lumMod val="75000"/>
-                    </a:schemeClr>
-                  </a:solidFill>
-                  <a:latin typeface="+mn-lt"/>
-                  <a:ea typeface="+mn-ea"/>
-                  <a:cs typeface="+mn-cs"/>
-                </a:defRPr>
-              </a:pPr>
-              <a:endParaRPr lang="it-IT"/>
-            </a:p>
-          </c:txPr>
-        </c:title>
-        <c:numFmt formatCode="#0\ &quot;ms&quot;" sourceLinked="1"/>
-        <c:majorTickMark val="none"/>
-        <c:minorTickMark val="none"/>
-        <c:tickLblPos val="nextTo"/>
-        <c:spPr>
-          <a:noFill/>
-          <a:ln w="9525" cap="flat" cmpd="sng" algn="ctr">
-            <a:solidFill>
-              <a:schemeClr val="lt1">
-                <a:lumMod val="50000"/>
-              </a:schemeClr>
-            </a:solidFill>
-            <a:round/>
-          </a:ln>
-          <a:effectLst/>
-        </c:spPr>
-        <c:txPr>
-          <a:bodyPr rot="-60000000" spcFirstLastPara="1" vertOverflow="ellipsis" vert="horz" wrap="square" anchor="ctr" anchorCtr="1"/>
-          <a:lstStyle/>
-          <a:p>
-            <a:pPr>
-              <a:defRPr sz="1197" b="0" i="0" u="none" strike="noStrike" kern="1200" baseline="0">
-                <a:solidFill>
-                  <a:schemeClr val="lt1">
-                    <a:lumMod val="75000"/>
-                  </a:schemeClr>
-                </a:solidFill>
-                <a:latin typeface="+mn-lt"/>
-                <a:ea typeface="+mn-ea"/>
-                <a:cs typeface="+mn-cs"/>
-              </a:defRPr>
-            </a:pPr>
-            <a:endParaRPr lang="it-IT"/>
-          </a:p>
-        </c:txPr>
-        <c:crossAx val="499128888"/>
-        <c:crosses val="autoZero"/>
-        <c:crossBetween val="midCat"/>
-      </c:valAx>
-      <c:spPr>
-        <a:noFill/>
-        <a:ln>
-          <a:noFill/>
-        </a:ln>
-        <a:effectLst/>
-      </c:spPr>
-    </c:plotArea>
-    <c:legend>
-      <c:legendPos val="t"/>
-      <c:overlay val="0"/>
-      <c:spPr>
-        <a:noFill/>
-        <a:ln>
-          <a:noFill/>
-        </a:ln>
-        <a:effectLst/>
-      </c:spPr>
-      <c:txPr>
-        <a:bodyPr rot="0" spcFirstLastPara="1" vertOverflow="ellipsis" vert="horz" wrap="square" anchor="ctr" anchorCtr="1"/>
-        <a:lstStyle/>
-        <a:p>
-          <a:pPr>
-            <a:defRPr sz="1197" b="0" i="0" u="none" strike="noStrike" kern="1200" baseline="0">
-              <a:solidFill>
-                <a:schemeClr val="lt1">
-                  <a:lumMod val="75000"/>
-                </a:schemeClr>
-              </a:solidFill>
-              <a:latin typeface="+mn-lt"/>
-              <a:ea typeface="+mn-ea"/>
-              <a:cs typeface="+mn-cs"/>
-            </a:defRPr>
-          </a:pPr>
-          <a:endParaRPr lang="it-IT"/>
-        </a:p>
-      </c:txPr>
-    </c:legend>
-    <c:plotVisOnly val="1"/>
-    <c:dispBlanksAs val="gap"/>
-    <c:showDLblsOverMax val="0"/>
-  </c:chart>
-  <c:spPr>
-    <a:noFill/>
-    <a:ln w="9525" cap="flat" cmpd="sng" algn="ctr">
-      <a:noFill/>
-      <a:round/>
-    </a:ln>
-    <a:effectLst/>
-  </c:spPr>
-  <c:txPr>
-    <a:bodyPr/>
-    <a:lstStyle/>
-    <a:p>
-      <a:pPr>
-        <a:defRPr/>
-      </a:pPr>
-      <a:endParaRPr lang="it-IT"/>
-    </a:p>
-  </c:txPr>
-  <c:externalData r:id="rId3">
-    <c:autoUpdate val="0"/>
-  </c:externalData>
-</c:chartSpace>
-</file>
-
-<file path=ppt/charts/colors1.xml><?xml version="1.0" encoding="utf-8"?>
-<cs:colorStyle xmlns:cs="http://schemas.microsoft.com/office/drawing/2012/chartStyle" xmlns:a="http://schemas.openxmlformats.org/drawingml/2006/main" meth="cycle" id="10">
-  <a:schemeClr val="accent1"/>
-  <a:schemeClr val="accent2"/>
-  <a:schemeClr val="accent3"/>
-  <a:schemeClr val="accent4"/>
-  <a:schemeClr val="accent5"/>
-  <a:schemeClr val="accent6"/>
-  <cs:variation/>
-  <cs:variation>
-    <a:lumMod val="60000"/>
-  </cs:variation>
-  <cs:variation>
-    <a:lumMod val="80000"/>
-    <a:lumOff val="20000"/>
-  </cs:variation>
-  <cs:variation>
-    <a:lumMod val="80000"/>
-  </cs:variation>
-  <cs:variation>
-    <a:lumMod val="60000"/>
-    <a:lumOff val="40000"/>
-  </cs:variation>
-  <cs:variation>
-    <a:lumMod val="50000"/>
-  </cs:variation>
-  <cs:variation>
-    <a:lumMod val="70000"/>
-    <a:lumOff val="30000"/>
-  </cs:variation>
-  <cs:variation>
-    <a:lumMod val="70000"/>
-  </cs:variation>
-  <cs:variation>
-    <a:lumMod val="50000"/>
-    <a:lumOff val="50000"/>
-  </cs:variation>
-</cs:colorStyle>
-</file>
-
-<file path=ppt/charts/style1.xml><?xml version="1.0" encoding="utf-8"?>
-<cs:chartStyle xmlns:cs="http://schemas.microsoft.com/office/drawing/2012/chartStyle" xmlns:a="http://schemas.openxmlformats.org/drawingml/2006/main" id="245">
-  <cs:axisTitle>
-    <cs:lnRef idx="0"/>
-    <cs:fillRef idx="0"/>
-    <cs:effectRef idx="0"/>
-    <cs:fontRef idx="minor">
-      <a:schemeClr val="lt1">
-        <a:lumMod val="75000"/>
-      </a:schemeClr>
-    </cs:fontRef>
-    <cs:defRPr sz="1197" b="1" kern="1200"/>
-  </cs:axisTitle>
-  <cs:categoryAxis>
-    <cs:lnRef idx="0"/>
-    <cs:fillRef idx="0"/>
-    <cs:effectRef idx="0"/>
-    <cs:fontRef idx="minor">
-      <a:schemeClr val="lt1">
-        <a:lumMod val="75000"/>
-      </a:schemeClr>
-    </cs:fontRef>
-    <cs:defRPr sz="1197" kern="1200"/>
-  </cs:categoryAxis>
-  <cs:chartArea>
-    <cs:lnRef idx="0"/>
-    <cs:fillRef idx="0"/>
-    <cs:effectRef idx="0"/>
-    <cs:fontRef idx="minor">
-      <a:schemeClr val="dk1"/>
-    </cs:fontRef>
-    <cs:spPr>
-      <a:solidFill>
-        <a:schemeClr val="dk1">
-          <a:lumMod val="75000"/>
-          <a:lumOff val="25000"/>
-        </a:schemeClr>
-      </a:solidFill>
-      <a:ln w="9525" cap="flat" cmpd="sng" algn="ctr">
-        <a:solidFill>
-          <a:schemeClr val="dk1">
-            <a:lumMod val="15000"/>
-            <a:lumOff val="85000"/>
-          </a:schemeClr>
-        </a:solidFill>
-        <a:round/>
-      </a:ln>
-    </cs:spPr>
-    <cs:defRPr sz="1197" kern="1200"/>
-  </cs:chartArea>
-  <cs:dataLabel>
-    <cs:lnRef idx="0"/>
-    <cs:fillRef idx="0"/>
-    <cs:effectRef idx="0"/>
-    <cs:fontRef idx="minor">
-      <a:schemeClr val="lt1">
-        <a:lumMod val="75000"/>
-      </a:schemeClr>
-    </cs:fontRef>
-    <cs:defRPr sz="1197" kern="1200"/>
-  </cs:dataLabel>
-  <cs:dataLabelCallout>
-    <cs:lnRef idx="0"/>
-    <cs:fillRef idx="0"/>
-    <cs:effectRef idx="0"/>
-    <cs:fontRef idx="minor">
-      <a:schemeClr val="lt1">
-        <a:lumMod val="15000"/>
-        <a:lumOff val="85000"/>
-      </a:schemeClr>
-    </cs:fontRef>
-    <cs:spPr>
-      <a:solidFill>
-        <a:schemeClr val="dk1">
-          <a:lumMod val="65000"/>
-          <a:lumOff val="35000"/>
-        </a:schemeClr>
-      </a:solidFill>
-    </cs:spPr>
-    <cs:defRPr sz="1197" kern="1200"/>
-    <cs:bodyPr rot="0" spcFirstLastPara="1" vertOverflow="clip" horzOverflow="clip" vert="horz" wrap="square" lIns="36576" tIns="18288" rIns="36576" bIns="18288" anchor="ctr" anchorCtr="1">
-      <a:spAutoFit/>
-    </cs:bodyPr>
-  </cs:dataLabelCallout>
-  <cs:dataPoint>
-    <cs:lnRef idx="0">
-      <cs:styleClr val="auto"/>
-    </cs:lnRef>
-    <cs:fillRef idx="0"/>
-    <cs:effectRef idx="0">
-      <cs:styleClr val="auto"/>
-    </cs:effectRef>
-    <cs:fontRef idx="minor">
-      <a:schemeClr val="dk1"/>
-    </cs:fontRef>
-    <cs:spPr>
-      <a:ln w="9525" cap="flat" cmpd="sng" algn="ctr">
-        <a:solidFill>
-          <a:schemeClr val="phClr"/>
-        </a:solidFill>
-        <a:miter lim="800000"/>
-      </a:ln>
-      <a:effectLst>
-        <a:glow rad="63500">
-          <a:schemeClr val="phClr">
-            <a:satMod val="175000"/>
-            <a:alpha val="25000"/>
-          </a:schemeClr>
-        </a:glow>
-      </a:effectLst>
-    </cs:spPr>
-  </cs:dataPoint>
-  <cs:dataPoint3D>
-    <cs:lnRef idx="0">
-      <cs:styleClr val="auto"/>
-    </cs:lnRef>
-    <cs:fillRef idx="0">
-      <cs:styleClr val="auto"/>
-    </cs:fillRef>
-    <cs:effectRef idx="0">
-      <cs:styleClr val="auto"/>
-    </cs:effectRef>
-    <cs:fontRef idx="minor">
-      <a:schemeClr val="dk1"/>
-    </cs:fontRef>
-    <cs:spPr>
-      <a:ln w="9525" cap="flat" cmpd="sng" algn="ctr">
-        <a:solidFill>
-          <a:schemeClr val="phClr"/>
-        </a:solidFill>
-        <a:miter lim="800000"/>
-      </a:ln>
-      <a:effectLst>
-        <a:glow rad="63500">
-          <a:schemeClr val="phClr">
-            <a:satMod val="175000"/>
-            <a:alpha val="25000"/>
-          </a:schemeClr>
-        </a:glow>
-      </a:effectLst>
-    </cs:spPr>
-  </cs:dataPoint3D>
-  <cs:dataPointLine>
-    <cs:lnRef idx="0">
-      <cs:styleClr val="auto"/>
-    </cs:lnRef>
-    <cs:fillRef idx="0">
-      <cs:styleClr val="auto"/>
-    </cs:fillRef>
-    <cs:effectRef idx="0">
-      <cs:styleClr val="auto"/>
-    </cs:effectRef>
-    <cs:fontRef idx="minor">
-      <a:schemeClr val="dk1"/>
-    </cs:fontRef>
-    <cs:spPr>
-      <a:ln w="22225" cap="rnd">
-        <a:solidFill>
-          <a:schemeClr val="phClr"/>
-        </a:solidFill>
-      </a:ln>
-      <a:effectLst>
-        <a:glow rad="139700">
-          <a:schemeClr val="phClr">
-            <a:satMod val="175000"/>
-            <a:alpha val="14000"/>
-          </a:schemeClr>
-        </a:glow>
-      </a:effectLst>
-    </cs:spPr>
-  </cs:dataPointLine>
-  <cs:dataPointMarker>
-    <cs:lnRef idx="0">
-      <cs:styleClr val="auto"/>
-    </cs:lnRef>
-    <cs:fillRef idx="0">
-      <cs:styleClr val="auto"/>
-    </cs:fillRef>
-    <cs:effectRef idx="0">
-      <cs:styleClr val="auto"/>
-    </cs:effectRef>
-    <cs:fontRef idx="minor">
-      <a:schemeClr val="dk1"/>
-    </cs:fontRef>
-    <cs:spPr>
-      <a:solidFill>
-        <a:schemeClr val="phClr">
-          <a:lumMod val="60000"/>
-          <a:lumOff val="40000"/>
-        </a:schemeClr>
-      </a:solidFill>
-      <a:effectLst>
-        <a:glow rad="63500">
-          <a:schemeClr val="phClr">
-            <a:satMod val="175000"/>
-            <a:alpha val="25000"/>
-          </a:schemeClr>
-        </a:glow>
-      </a:effectLst>
-    </cs:spPr>
-  </cs:dataPointMarker>
-  <cs:dataPointMarkerLayout symbol="circle" size="3"/>
-  <cs:dataPointWireframe>
-    <cs:lnRef idx="0">
-      <cs:styleClr val="auto"/>
-    </cs:lnRef>
-    <cs:fillRef idx="0"/>
-    <cs:effectRef idx="0"/>
-    <cs:fontRef idx="minor">
-      <a:schemeClr val="dk1"/>
-    </cs:fontRef>
-    <cs:spPr>
-      <a:ln w="9525" cap="rnd">
-        <a:solidFill>
-          <a:schemeClr val="phClr"/>
-        </a:solidFill>
-        <a:round/>
-      </a:ln>
-    </cs:spPr>
-  </cs:dataPointWireframe>
-  <cs:dataTable>
-    <cs:lnRef idx="0"/>
-    <cs:fillRef idx="0"/>
-    <cs:effectRef idx="0"/>
-    <cs:fontRef idx="minor">
-      <a:schemeClr val="lt1">
-        <a:lumMod val="75000"/>
-      </a:schemeClr>
-    </cs:fontRef>
-    <cs:spPr>
-      <a:ln w="9525">
-        <a:solidFill>
-          <a:schemeClr val="dk1">
-            <a:lumMod val="50000"/>
-            <a:lumOff val="50000"/>
-          </a:schemeClr>
-        </a:solidFill>
-      </a:ln>
-    </cs:spPr>
-    <cs:defRPr sz="1197" kern="1200"/>
-  </cs:dataTable>
-  <cs:downBar>
-    <cs:lnRef idx="0"/>
-    <cs:fillRef idx="0"/>
-    <cs:effectRef idx="0"/>
-    <cs:fontRef idx="minor">
-      <a:schemeClr val="lt1"/>
-    </cs:fontRef>
-    <cs:spPr>
-      <a:solidFill>
-        <a:schemeClr val="dk1">
-          <a:lumMod val="50000"/>
-          <a:lumOff val="50000"/>
-        </a:schemeClr>
-      </a:solidFill>
-      <a:ln w="9525">
-        <a:solidFill>
-          <a:schemeClr val="dk1">
-            <a:lumMod val="75000"/>
-          </a:schemeClr>
-        </a:solidFill>
-        <a:round/>
-      </a:ln>
-    </cs:spPr>
-  </cs:downBar>
-  <cs:dropLine>
-    <cs:lnRef idx="0"/>
-    <cs:fillRef idx="0"/>
-    <cs:effectRef idx="0"/>
-    <cs:fontRef idx="minor">
-      <a:schemeClr val="dk1"/>
-    </cs:fontRef>
-    <cs:spPr>
-      <a:ln w="9525">
-        <a:solidFill>
-          <a:schemeClr val="lt1">
-            <a:lumMod val="50000"/>
-          </a:schemeClr>
-        </a:solidFill>
-        <a:round/>
-      </a:ln>
-    </cs:spPr>
-  </cs:dropLine>
-  <cs:errorBar>
-    <cs:lnRef idx="0"/>
-    <cs:fillRef idx="0"/>
-    <cs:effectRef idx="0"/>
-    <cs:fontRef idx="minor">
-      <a:schemeClr val="dk1"/>
-    </cs:fontRef>
-    <cs:spPr>
-      <a:ln w="9525">
-        <a:solidFill>
-          <a:schemeClr val="lt1">
-            <a:lumMod val="50000"/>
-          </a:schemeClr>
-        </a:solidFill>
-        <a:round/>
-      </a:ln>
-    </cs:spPr>
-  </cs:errorBar>
-  <cs:floor>
-    <cs:lnRef idx="0"/>
-    <cs:fillRef idx="0"/>
-    <cs:effectRef idx="0"/>
-    <cs:fontRef idx="minor">
-      <a:schemeClr val="dk1"/>
-    </cs:fontRef>
-  </cs:floor>
-  <cs:gridlineMajor>
-    <cs:lnRef idx="0"/>
-    <cs:fillRef idx="0"/>
-    <cs:effectRef idx="0"/>
-    <cs:fontRef idx="minor">
-      <a:schemeClr val="tx1"/>
-    </cs:fontRef>
-    <cs:spPr>
-      <a:ln w="9525" cap="flat" cmpd="sng" algn="ctr">
-        <a:solidFill>
-          <a:schemeClr val="dk1">
-            <a:lumMod val="65000"/>
-            <a:lumOff val="35000"/>
-            <a:alpha val="75000"/>
-          </a:schemeClr>
-        </a:solidFill>
-        <a:round/>
-      </a:ln>
-    </cs:spPr>
-  </cs:gridlineMajor>
-  <cs:gridlineMinor>
-    <cs:lnRef idx="0"/>
-    <cs:fillRef idx="0"/>
-    <cs:effectRef idx="0"/>
-    <cs:fontRef idx="minor">
-      <a:schemeClr val="tx1"/>
-    </cs:fontRef>
-    <cs:spPr>
-      <a:ln w="9525" cap="flat" cmpd="sng" algn="ctr">
-        <a:solidFill>
-          <a:schemeClr val="dk1">
-            <a:lumMod val="65000"/>
-            <a:lumOff val="35000"/>
-            <a:alpha val="25000"/>
-          </a:schemeClr>
-        </a:solidFill>
-        <a:round/>
-      </a:ln>
-    </cs:spPr>
-  </cs:gridlineMinor>
-  <cs:hiLoLine>
-    <cs:lnRef idx="0"/>
-    <cs:fillRef idx="0"/>
-    <cs:effectRef idx="0"/>
-    <cs:fontRef idx="minor">
-      <a:schemeClr val="dk1"/>
-    </cs:fontRef>
-    <cs:spPr>
-      <a:ln w="9525">
-        <a:solidFill>
-          <a:schemeClr val="lt1">
-            <a:lumMod val="50000"/>
-          </a:schemeClr>
-        </a:solidFill>
-        <a:round/>
-      </a:ln>
-    </cs:spPr>
-  </cs:hiLoLine>
-  <cs:leaderLine>
-    <cs:lnRef idx="0"/>
-    <cs:fillRef idx="0"/>
-    <cs:effectRef idx="0"/>
-    <cs:fontRef idx="minor">
-      <a:schemeClr val="dk1"/>
-    </cs:fontRef>
-    <cs:spPr>
-      <a:ln w="9525">
-        <a:solidFill>
-          <a:schemeClr val="lt1">
-            <a:lumMod val="50000"/>
-          </a:schemeClr>
-        </a:solidFill>
-        <a:round/>
-      </a:ln>
-    </cs:spPr>
-  </cs:leaderLine>
-  <cs:legend>
-    <cs:lnRef idx="0"/>
-    <cs:fillRef idx="0"/>
-    <cs:effectRef idx="0"/>
-    <cs:fontRef idx="minor">
-      <a:schemeClr val="lt1">
-        <a:lumMod val="75000"/>
-      </a:schemeClr>
-    </cs:fontRef>
-    <cs:defRPr sz="1197" kern="1200"/>
-  </cs:legend>
-  <cs:plotArea>
-    <cs:lnRef idx="0"/>
-    <cs:fillRef idx="0"/>
-    <cs:effectRef idx="0"/>
-    <cs:fontRef idx="minor">
-      <a:schemeClr val="dk1"/>
-    </cs:fontRef>
-  </cs:plotArea>
-  <cs:plotArea3D>
-    <cs:lnRef idx="0"/>
-    <cs:fillRef idx="0"/>
-    <cs:effectRef idx="0"/>
-    <cs:fontRef idx="minor">
-      <a:schemeClr val="dk1"/>
-    </cs:fontRef>
-  </cs:plotArea3D>
-  <cs:seriesAxis>
-    <cs:lnRef idx="0"/>
-    <cs:fillRef idx="0"/>
-    <cs:effectRef idx="0"/>
-    <cs:fontRef idx="minor">
-      <a:schemeClr val="lt1">
-        <a:lumMod val="75000"/>
-      </a:schemeClr>
-    </cs:fontRef>
-    <cs:defRPr sz="1197" kern="1200"/>
-  </cs:seriesAxis>
-  <cs:seriesLine>
-    <cs:lnRef idx="0"/>
-    <cs:fillRef idx="0"/>
-    <cs:effectRef idx="0"/>
-    <cs:fontRef idx="minor">
-      <a:schemeClr val="dk1"/>
-    </cs:fontRef>
-    <cs:spPr>
-      <a:ln w="9525">
-        <a:solidFill>
-          <a:schemeClr val="lt1">
-            <a:lumMod val="50000"/>
-          </a:schemeClr>
-        </a:solidFill>
-        <a:round/>
-      </a:ln>
-    </cs:spPr>
-  </cs:seriesLine>
-  <cs:title>
-    <cs:lnRef idx="0"/>
-    <cs:fillRef idx="0"/>
-    <cs:effectRef idx="0"/>
-    <cs:fontRef idx="minor">
-      <a:schemeClr val="lt1">
-        <a:lumMod val="85000"/>
-      </a:schemeClr>
-    </cs:fontRef>
-    <cs:defRPr sz="1862" b="1" kern="1200" cap="none" baseline="0"/>
-  </cs:title>
-  <cs:trendline>
-    <cs:lnRef idx="0">
-      <cs:styleClr val="auto"/>
-    </cs:lnRef>
-    <cs:fillRef idx="0"/>
-    <cs:effectRef idx="0"/>
-    <cs:fontRef idx="minor">
-      <a:schemeClr val="lt1"/>
-    </cs:fontRef>
-    <cs:spPr>
-      <a:ln w="25400" cap="rnd">
-        <a:solidFill>
-          <a:schemeClr val="phClr">
-            <a:alpha val="50000"/>
-          </a:schemeClr>
-        </a:solidFill>
-      </a:ln>
-    </cs:spPr>
-  </cs:trendline>
-  <cs:trendlineLabel>
-    <cs:lnRef idx="0"/>
-    <cs:fillRef idx="0"/>
-    <cs:effectRef idx="0"/>
-    <cs:fontRef idx="minor">
-      <a:schemeClr val="lt1">
-        <a:lumMod val="75000"/>
-      </a:schemeClr>
-    </cs:fontRef>
-    <cs:defRPr sz="1197" kern="1200"/>
-  </cs:trendlineLabel>
-  <cs:upBar>
-    <cs:lnRef idx="0"/>
-    <cs:fillRef idx="0"/>
-    <cs:effectRef idx="0"/>
-    <cs:fontRef idx="minor">
-      <a:schemeClr val="dk1"/>
-    </cs:fontRef>
-    <cs:spPr>
-      <a:solidFill>
-        <a:schemeClr val="lt1">
-          <a:lumMod val="85000"/>
-        </a:schemeClr>
-      </a:solidFill>
-      <a:ln w="9525">
-        <a:solidFill>
-          <a:schemeClr val="dk1">
-            <a:lumMod val="50000"/>
-          </a:schemeClr>
-        </a:solidFill>
-        <a:round/>
-      </a:ln>
-    </cs:spPr>
-  </cs:upBar>
-  <cs:valueAxis>
-    <cs:lnRef idx="0"/>
-    <cs:fillRef idx="0"/>
-    <cs:effectRef idx="0"/>
-    <cs:fontRef idx="minor">
-      <a:schemeClr val="lt1">
-        <a:lumMod val="75000"/>
-      </a:schemeClr>
-    </cs:fontRef>
-    <cs:spPr>
-      <a:ln w="9525" cap="flat" cmpd="sng" algn="ctr">
-        <a:solidFill>
-          <a:schemeClr val="lt1">
-            <a:lumMod val="50000"/>
-          </a:schemeClr>
-        </a:solidFill>
-        <a:round/>
-      </a:ln>
-    </cs:spPr>
-    <cs:defRPr sz="1197" kern="1200"/>
-    <cs:bodyPr/>
-  </cs:valueAxis>
-  <cs:wall>
-    <cs:lnRef idx="0"/>
-    <cs:fillRef idx="0"/>
-    <cs:effectRef idx="0"/>
-    <cs:fontRef idx="minor">
-      <a:schemeClr val="dk1"/>
-    </cs:fontRef>
-  </cs:wall>
-</cs:chartStyle>
 </file>
 
 <file path=ppt/notesMasters/notesMaster1.xml><?xml version="1.0" encoding="utf-8"?>
@@ -12977,10 +11778,10 @@
       </p:sp>
       <p:sp>
         <p:nvSpPr>
-          <p:cNvPr id="6" name="Rettangolo con angoli arrotondati 5">
+          <p:cNvPr id="7" name="Rettangolo con angoli arrotondati 6">
             <a:extLst>
               <a:ext uri="{FF2B5EF4-FFF2-40B4-BE49-F238E27FC236}">
-                <a16:creationId xmlns:a16="http://schemas.microsoft.com/office/drawing/2014/main" id="{7397C64E-B8A7-4BEA-9DB6-3749204D9E94}"/>
+                <a16:creationId xmlns:a16="http://schemas.microsoft.com/office/drawing/2014/main" id="{05FE45E5-D90C-4D37-B038-A3BBB0B35626}"/>
               </a:ext>
             </a:extLst>
           </p:cNvPr>
@@ -12989,8 +11790,8 @@
         </p:nvSpPr>
         <p:spPr>
           <a:xfrm>
-            <a:off x="8179266" y="3674378"/>
-            <a:ext cx="2273416" cy="1551963"/>
+            <a:off x="7650761" y="3892934"/>
+            <a:ext cx="3410824" cy="1450853"/>
           </a:xfrm>
           <a:prstGeom prst="roundRect">
             <a:avLst/>
@@ -13032,7 +11833,25 @@
                 </a:solidFill>
                 <a:latin typeface="Avenir Next LT Pro Light" panose="020B0304020202020204" pitchFamily="34" charset="0"/>
               </a:rPr>
-              <a:t>Inserire testo</a:t>
+              <a:t>Dopo aver trovato il valore massimo, l’algoritmo di </a:t>
+            </a:r>
+            <a:r>
+              <a:rPr lang="it-IT" sz="1600" dirty="0" err="1">
+                <a:solidFill>
+                  <a:schemeClr val="tx1"/>
+                </a:solidFill>
+                <a:latin typeface="Avenir Next LT Pro Light" panose="020B0304020202020204" pitchFamily="34" charset="0"/>
+              </a:rPr>
+              <a:t>sorting</a:t>
+            </a:r>
+            <a:r>
+              <a:rPr lang="it-IT" sz="1600" dirty="0">
+                <a:solidFill>
+                  <a:schemeClr val="tx1"/>
+                </a:solidFill>
+                <a:latin typeface="Avenir Next LT Pro Light" panose="020B0304020202020204" pitchFamily="34" charset="0"/>
+              </a:rPr>
+              <a:t> si occupa di ordinare gli altri valori e verifica anche i casi di punteggio medesimo.</a:t>
             </a:r>
           </a:p>
         </p:txBody>
@@ -14989,8 +13808,8 @@
         </p:nvSpPr>
         <p:spPr>
           <a:xfrm>
-            <a:off x="8137321" y="2021747"/>
-            <a:ext cx="2273416" cy="1551963"/>
+            <a:off x="7461309" y="1837631"/>
+            <a:ext cx="3892491" cy="1870745"/>
           </a:xfrm>
           <a:prstGeom prst="roundRect">
             <a:avLst/>
@@ -15032,7 +13851,43 @@
                 </a:solidFill>
                 <a:latin typeface="Avenir Next LT Pro Light" panose="020B0304020202020204" pitchFamily="34" charset="0"/>
               </a:rPr>
-              <a:t>Inserire testo</a:t>
+              <a:t>Si controlla l'esistenza del partecipante passato dal Client tramite </a:t>
+            </a:r>
+            <a:r>
+              <a:rPr lang="it-IT" sz="1600" dirty="0" err="1">
+                <a:solidFill>
+                  <a:schemeClr val="tx1"/>
+                </a:solidFill>
+                <a:latin typeface="Avenir Next LT Pro Light" panose="020B0304020202020204" pitchFamily="34" charset="0"/>
+              </a:rPr>
+              <a:t>strcmp</a:t>
+            </a:r>
+            <a:r>
+              <a:rPr lang="it-IT" sz="1600" dirty="0">
+                <a:solidFill>
+                  <a:schemeClr val="tx1"/>
+                </a:solidFill>
+                <a:latin typeface="Avenir Next LT Pro Light" panose="020B0304020202020204" pitchFamily="34" charset="0"/>
+              </a:rPr>
+              <a:t>; se trovato, si aggiunge il voto nel caso in cui </a:t>
+            </a:r>
+            <a:r>
+              <a:rPr lang="it-IT" sz="1600" dirty="0" err="1">
+                <a:solidFill>
+                  <a:schemeClr val="tx1"/>
+                </a:solidFill>
+                <a:latin typeface="Avenir Next LT Pro Light" panose="020B0304020202020204" pitchFamily="34" charset="0"/>
+              </a:rPr>
+              <a:t>tipoOp</a:t>
+            </a:r>
+            <a:r>
+              <a:rPr lang="it-IT" sz="1600" dirty="0">
+                <a:solidFill>
+                  <a:schemeClr val="tx1"/>
+                </a:solidFill>
+                <a:latin typeface="Avenir Next LT Pro Light" panose="020B0304020202020204" pitchFamily="34" charset="0"/>
+              </a:rPr>
+              <a:t> == ‘A’ e lo si toglie in tutti gli altri casi, dato che il Client controlla che passino solo 'A' e 'S’.</a:t>
             </a:r>
           </a:p>
         </p:txBody>
@@ -15111,23 +13966,8 @@
                 </a:solidFill>
                 <a:latin typeface="Avenir Next LT Pro Light" panose="020B0304020202020204" pitchFamily="34" charset="0"/>
               </a:rPr>
-              <a:t>Test – Confronto algoritmi di </a:t>
-            </a:r>
-            <a:r>
-              <a:rPr lang="it-IT" dirty="0" err="1">
-                <a:solidFill>
-                  <a:schemeClr val="bg1"/>
-                </a:solidFill>
-                <a:latin typeface="Avenir Next LT Pro Light" panose="020B0304020202020204" pitchFamily="34" charset="0"/>
-              </a:rPr>
-              <a:t>sorting</a:t>
-            </a:r>
-            <a:endParaRPr lang="it-IT" dirty="0">
-              <a:solidFill>
-                <a:schemeClr val="bg1"/>
-              </a:solidFill>
-              <a:latin typeface="Avenir Next LT Pro Light" panose="020B0304020202020204" pitchFamily="34" charset="0"/>
-            </a:endParaRPr>
+              <a:t>Conclusione</a:t>
+            </a:r>
           </a:p>
         </p:txBody>
       </p:sp>
@@ -15160,144 +14000,6 @@
           </a:p>
         </p:txBody>
       </p:sp>
-      <p:graphicFrame>
-        <p:nvGraphicFramePr>
-          <p:cNvPr id="7" name="Grafico 6">
-            <a:extLst>
-              <a:ext uri="{FF2B5EF4-FFF2-40B4-BE49-F238E27FC236}">
-                <a16:creationId xmlns:a16="http://schemas.microsoft.com/office/drawing/2014/main" id="{E4B1BBF2-0AC2-4BC0-8072-0382DB4AB105}"/>
-              </a:ext>
-            </a:extLst>
-          </p:cNvPr>
-          <p:cNvGraphicFramePr>
-            <a:graphicFrameLocks/>
-          </p:cNvGraphicFramePr>
-          <p:nvPr>
-            <p:extLst>
-              <p:ext uri="{D42A27DB-BD31-4B8C-83A1-F6EECF244321}">
-                <p14:modId xmlns:p14="http://schemas.microsoft.com/office/powerpoint/2010/main" val="3279410260"/>
-              </p:ext>
-            </p:extLst>
-          </p:nvPr>
-        </p:nvGraphicFramePr>
-        <p:xfrm>
-          <a:off x="2219325" y="1227138"/>
-          <a:ext cx="7753350" cy="4905375"/>
-        </p:xfrm>
-        <a:graphic>
-          <a:graphicData uri="http://schemas.openxmlformats.org/drawingml/2006/chart">
-            <c:chart xmlns:c="http://schemas.openxmlformats.org/drawingml/2006/chart" xmlns:r="http://schemas.openxmlformats.org/officeDocument/2006/relationships" r:id="rId2"/>
-          </a:graphicData>
-        </a:graphic>
-      </p:graphicFrame>
-    </p:spTree>
-    <p:extLst>
-      <p:ext uri="{BB962C8B-B14F-4D97-AF65-F5344CB8AC3E}">
-        <p14:creationId xmlns:p14="http://schemas.microsoft.com/office/powerpoint/2010/main" val="2497596871"/>
-      </p:ext>
-    </p:extLst>
-  </p:cSld>
-  <p:clrMapOvr>
-    <a:masterClrMapping/>
-  </p:clrMapOvr>
-</p:sld>
-</file>
-
-<file path=ppt/slides/slide8.xml><?xml version="1.0" encoding="utf-8"?>
-<p:sld xmlns:a="http://schemas.openxmlformats.org/drawingml/2006/main" xmlns:r="http://schemas.openxmlformats.org/officeDocument/2006/relationships" xmlns:p="http://schemas.openxmlformats.org/presentationml/2006/main">
-  <p:cSld>
-    <p:bg>
-      <p:bgPr>
-        <a:solidFill>
-          <a:srgbClr val="2A2A2A"/>
-        </a:solidFill>
-        <a:effectLst/>
-      </p:bgPr>
-    </p:bg>
-    <p:spTree>
-      <p:nvGrpSpPr>
-        <p:cNvPr id="1" name=""/>
-        <p:cNvGrpSpPr/>
-        <p:nvPr/>
-      </p:nvGrpSpPr>
-      <p:grpSpPr>
-        <a:xfrm>
-          <a:off x="0" y="0"/>
-          <a:ext cx="0" cy="0"/>
-          <a:chOff x="0" y="0"/>
-          <a:chExt cx="0" cy="0"/>
-        </a:xfrm>
-      </p:grpSpPr>
-      <p:sp>
-        <p:nvSpPr>
-          <p:cNvPr id="2" name="Titolo 1">
-            <a:extLst>
-              <a:ext uri="{FF2B5EF4-FFF2-40B4-BE49-F238E27FC236}">
-                <a16:creationId xmlns:a16="http://schemas.microsoft.com/office/drawing/2014/main" id="{F1DDE7A4-1A5F-4F0D-B842-7798EDC6EDA8}"/>
-              </a:ext>
-            </a:extLst>
-          </p:cNvPr>
-          <p:cNvSpPr>
-            <a:spLocks noGrp="1"/>
-          </p:cNvSpPr>
-          <p:nvPr>
-            <p:ph type="title"/>
-          </p:nvPr>
-        </p:nvSpPr>
-        <p:spPr>
-          <a:xfrm>
-            <a:off x="166048" y="92077"/>
-            <a:ext cx="11859904" cy="911224"/>
-          </a:xfrm>
-        </p:spPr>
-        <p:txBody>
-          <a:bodyPr>
-            <a:normAutofit/>
-          </a:bodyPr>
-          <a:lstStyle/>
-          <a:p>
-            <a:pPr algn="ctr"/>
-            <a:r>
-              <a:rPr lang="it-IT" dirty="0">
-                <a:solidFill>
-                  <a:schemeClr val="bg1"/>
-                </a:solidFill>
-                <a:latin typeface="Avenir Next LT Pro Light" panose="020B0304020202020204" pitchFamily="34" charset="0"/>
-              </a:rPr>
-              <a:t>Conclusione</a:t>
-            </a:r>
-          </a:p>
-        </p:txBody>
-      </p:sp>
-      <p:sp>
-        <p:nvSpPr>
-          <p:cNvPr id="3" name="Segnaposto numero diapositiva 2">
-            <a:extLst>
-              <a:ext uri="{FF2B5EF4-FFF2-40B4-BE49-F238E27FC236}">
-                <a16:creationId xmlns:a16="http://schemas.microsoft.com/office/drawing/2014/main" id="{A47D4834-59E8-435C-A95B-F4D997DED51E}"/>
-              </a:ext>
-            </a:extLst>
-          </p:cNvPr>
-          <p:cNvSpPr>
-            <a:spLocks noGrp="1"/>
-          </p:cNvSpPr>
-          <p:nvPr>
-            <p:ph type="sldNum" sz="quarter" idx="12"/>
-          </p:nvPr>
-        </p:nvSpPr>
-        <p:spPr/>
-        <p:txBody>
-          <a:bodyPr/>
-          <a:lstStyle/>
-          <a:p>
-            <a:fld id="{4A6DC286-705F-4A37-A21F-B485E3A29C72}" type="slidenum">
-              <a:rPr lang="it-IT" smtClean="0"/>
-              <a:t>8</a:t>
-            </a:fld>
-            <a:endParaRPr lang="it-IT"/>
-          </a:p>
-        </p:txBody>
-      </p:sp>
       <p:sp>
         <p:nvSpPr>
           <p:cNvPr id="5" name="CasellaDiTesto 4">
@@ -15312,8 +14014,8 @@
         </p:nvSpPr>
         <p:spPr>
           <a:xfrm>
-            <a:off x="713748" y="1002951"/>
-            <a:ext cx="10764503" cy="420115"/>
+            <a:off x="713748" y="1004738"/>
+            <a:ext cx="10764503" cy="2636106"/>
           </a:xfrm>
           <a:prstGeom prst="rect">
             <a:avLst/>
@@ -15343,7 +14045,7 @@
                 <a:ea typeface="Calibri" panose="020F0502020204030204" pitchFamily="34" charset="0"/>
                 <a:cs typeface="Times New Roman" panose="02020603050405020304" pitchFamily="18" charset="0"/>
               </a:rPr>
-              <a:t>To be </a:t>
+              <a:t>Durante lo svolgimento del progetto non sono stati riscontrati problemi con l’utilizzo del RPC, ma sono stati fatti perlopiù errori di sintassi che hanno rallentato il progetto e hanno tolto tempo allo sviluppo dell’algoritmo di </a:t>
             </a:r>
             <a:r>
               <a:rPr lang="it-IT" sz="1600" dirty="0" err="1">
@@ -15354,16 +14056,108 @@
                 <a:ea typeface="Calibri" panose="020F0502020204030204" pitchFamily="34" charset="0"/>
                 <a:cs typeface="Times New Roman" panose="02020603050405020304" pitchFamily="18" charset="0"/>
               </a:rPr>
-              <a:t>defined</a:t>
-            </a:r>
-            <a:endParaRPr lang="it-IT" sz="1600" dirty="0">
-              <a:solidFill>
-                <a:schemeClr val="bg1"/>
-              </a:solidFill>
-              <a:latin typeface="Avenir Next LT Pro Light" panose="020B0304020202020204" pitchFamily="34" charset="0"/>
-              <a:ea typeface="Calibri" panose="020F0502020204030204" pitchFamily="34" charset="0"/>
-              <a:cs typeface="Times New Roman" panose="02020603050405020304" pitchFamily="18" charset="0"/>
-            </a:endParaRPr>
+              <a:t>sorting</a:t>
+            </a:r>
+            <a:r>
+              <a:rPr lang="it-IT" sz="1600" dirty="0">
+                <a:solidFill>
+                  <a:schemeClr val="bg1"/>
+                </a:solidFill>
+                <a:latin typeface="Avenir Next LT Pro Light" panose="020B0304020202020204" pitchFamily="34" charset="0"/>
+                <a:ea typeface="Calibri" panose="020F0502020204030204" pitchFamily="34" charset="0"/>
+                <a:cs typeface="Times New Roman" panose="02020603050405020304" pitchFamily="18" charset="0"/>
+              </a:rPr>
+              <a:t>.</a:t>
+            </a:r>
+          </a:p>
+          <a:p>
+            <a:pPr algn="just">
+              <a:lnSpc>
+                <a:spcPct val="150000"/>
+              </a:lnSpc>
+              <a:spcAft>
+                <a:spcPts val="0"/>
+              </a:spcAft>
+            </a:pPr>
+            <a:r>
+              <a:rPr lang="it-IT" sz="1600" dirty="0">
+                <a:solidFill>
+                  <a:schemeClr val="bg1"/>
+                </a:solidFill>
+                <a:latin typeface="Avenir Next LT Pro Light" panose="020B0304020202020204" pitchFamily="34" charset="0"/>
+                <a:ea typeface="Calibri" panose="020F0502020204030204" pitchFamily="34" charset="0"/>
+                <a:cs typeface="Times New Roman" panose="02020603050405020304" pitchFamily="18" charset="0"/>
+              </a:rPr>
+              <a:t>Quest’ultimo infatti non funziona correttamente; ad un primo test effettuato risultava funzionante, ma in realtà è stato solo un caso fortunato</a:t>
+            </a:r>
+            <a:r>
+              <a:rPr lang="it-IT" sz="1600">
+                <a:solidFill>
+                  <a:schemeClr val="bg1"/>
+                </a:solidFill>
+                <a:latin typeface="Avenir Next LT Pro Light" panose="020B0304020202020204" pitchFamily="34" charset="0"/>
+                <a:ea typeface="Calibri" panose="020F0502020204030204" pitchFamily="34" charset="0"/>
+                <a:cs typeface="Times New Roman" panose="02020603050405020304" pitchFamily="18" charset="0"/>
+              </a:rPr>
+              <a:t>, infatti </a:t>
+            </a:r>
+            <a:r>
+              <a:rPr lang="it-IT" sz="1600" dirty="0">
+                <a:solidFill>
+                  <a:schemeClr val="bg1"/>
+                </a:solidFill>
+                <a:latin typeface="Avenir Next LT Pro Light" panose="020B0304020202020204" pitchFamily="34" charset="0"/>
+                <a:ea typeface="Calibri" panose="020F0502020204030204" pitchFamily="34" charset="0"/>
+                <a:cs typeface="Times New Roman" panose="02020603050405020304" pitchFamily="18" charset="0"/>
+              </a:rPr>
+              <a:t>è stato determinato che funziona solo nei casi in cui:</a:t>
+            </a:r>
+          </a:p>
+          <a:p>
+            <a:pPr marL="285750" indent="-285750" algn="just">
+              <a:lnSpc>
+                <a:spcPct val="150000"/>
+              </a:lnSpc>
+              <a:spcAft>
+                <a:spcPts val="0"/>
+              </a:spcAft>
+              <a:buFont typeface="Arial" panose="020B0604020202020204" pitchFamily="34" charset="0"/>
+              <a:buChar char="•"/>
+            </a:pPr>
+            <a:r>
+              <a:rPr lang="it-IT" sz="1600" dirty="0">
+                <a:solidFill>
+                  <a:schemeClr val="bg1"/>
+                </a:solidFill>
+                <a:latin typeface="Avenir Next LT Pro Light" panose="020B0304020202020204" pitchFamily="34" charset="0"/>
+                <a:ea typeface="Calibri" panose="020F0502020204030204" pitchFamily="34" charset="0"/>
+                <a:cs typeface="Times New Roman" panose="02020603050405020304" pitchFamily="18" charset="0"/>
+              </a:rPr>
+              <a:t>tutti i valori sono diversi tra loro;</a:t>
+            </a:r>
+          </a:p>
+          <a:p>
+            <a:pPr marL="285750" indent="-285750" algn="just">
+              <a:lnSpc>
+                <a:spcPct val="150000"/>
+              </a:lnSpc>
+              <a:spcAft>
+                <a:spcPts val="0"/>
+              </a:spcAft>
+              <a:buFont typeface="Arial" panose="020B0604020202020204" pitchFamily="34" charset="0"/>
+              <a:buChar char="•"/>
+            </a:pPr>
+            <a:r>
+              <a:rPr lang="it-IT" sz="1600" dirty="0">
+                <a:solidFill>
+                  <a:schemeClr val="bg1"/>
+                </a:solidFill>
+                <a:latin typeface="Avenir Next LT Pro Light" panose="020B0304020202020204" pitchFamily="34" charset="0"/>
+                <a:ea typeface="Calibri" panose="020F0502020204030204" pitchFamily="34" charset="0"/>
+                <a:cs typeface="Times New Roman" panose="02020603050405020304" pitchFamily="18" charset="0"/>
+              </a:rPr>
+              <a:t>solo gli ultimi due valori sono identici.</a:t>
+            </a:r>
           </a:p>
         </p:txBody>
       </p:sp>
